--- a/PROJECT-2.pptx
+++ b/PROJECT-2.pptx
@@ -278,8 +278,11 @@
     </a:lvl9pPr>
   </p:defaultTextStyle>
   <p:extLst>
+    <p:ext uri="{EFAFB233-063F-42B5-8137-9DF3F51BA10A}">
+      <p15:sldGuideLst xmlns:p15="http://schemas.microsoft.com/office/powerpoint/2012/main"/>
+    </p:ext>
     <p:ext uri="http://customooxmlschemas.google.com/">
-      <go:slidesCustomData xmlns:go="http://customooxmlschemas.google.com/" xmlns:ahyp="http://schemas.microsoft.com/office/drawing/2018/hyperlinkcolor" xmlns:p15="http://schemas.microsoft.com/office/powerpoint/2012/main" xmlns:p14="http://schemas.microsoft.com/office/powerpoint/2010/main" xmlns:com="http://schemas.openxmlformats.org/drawingml/2006/compatibility" xmlns:pvml="urn:schemas-microsoft-com:office:powerpoint" xmlns:v="urn:schemas-microsoft-com:vml" xmlns:o="urn:schemas-microsoft-com:office:office" xmlns:dgm="http://schemas.openxmlformats.org/drawingml/2006/diagram" xmlns:c="http://schemas.openxmlformats.org/drawingml/2006/chart" xmlns:mv="urn:schemas-microsoft-com:mac:vml" xmlns:mc="http://schemas.openxmlformats.org/markup-compatibility/2006" xmlns="" r:id="rId31" roundtripDataSignature="AMtx7miDSyupjvEI9wyX4sh3K4SvUccyMg=="/>
+      <go:slidesCustomData xmlns="" xmlns:mc="http://schemas.openxmlformats.org/markup-compatibility/2006" xmlns:mv="urn:schemas-microsoft-com:mac:vml" xmlns:c="http://schemas.openxmlformats.org/drawingml/2006/chart" xmlns:dgm="http://schemas.openxmlformats.org/drawingml/2006/diagram" xmlns:o="urn:schemas-microsoft-com:office:office" xmlns:v="urn:schemas-microsoft-com:vml" xmlns:pvml="urn:schemas-microsoft-com:office:powerpoint" xmlns:com="http://schemas.openxmlformats.org/drawingml/2006/compatibility" xmlns:p14="http://schemas.microsoft.com/office/powerpoint/2010/main" xmlns:p15="http://schemas.microsoft.com/office/powerpoint/2012/main" xmlns:ahyp="http://schemas.microsoft.com/office/drawing/2018/hyperlinkcolor" xmlns:go="http://customooxmlschemas.google.com/" r:id="rId31" roundtripDataSignature="AMtx7miDSyupjvEI9wyX4sh3K4SvUccyMg=="/>
     </p:ext>
   </p:extLst>
 </p:presentation>
@@ -793,8 +796,8 @@
         </p:nvSpPr>
         <p:spPr>
           <a:xfrm>
-            <a:off x="1143225" y="685800"/>
-            <a:ext cx="4572225" cy="3429000"/>
+            <a:off x="381000" y="685800"/>
+            <a:ext cx="6096000" cy="3429000"/>
           </a:xfrm>
           <a:custGeom>
             <a:avLst/>
@@ -1417,8 +1420,8 @@
         </p:nvSpPr>
         <p:spPr>
           <a:xfrm>
-            <a:off x="1143225" y="685800"/>
-            <a:ext cx="4572225" cy="3429000"/>
+            <a:off x="381000" y="685800"/>
+            <a:ext cx="6096000" cy="3429000"/>
           </a:xfrm>
           <a:custGeom>
             <a:avLst/>
@@ -1691,8 +1694,8 @@
         </p:nvSpPr>
         <p:spPr>
           <a:xfrm>
-            <a:off x="1143225" y="685800"/>
-            <a:ext cx="4572300" cy="3429000"/>
+            <a:off x="381000" y="685800"/>
+            <a:ext cx="6096000" cy="3429000"/>
           </a:xfrm>
           <a:custGeom>
             <a:avLst/>
@@ -1937,8 +1940,8 @@
         </p:nvSpPr>
         <p:spPr>
           <a:xfrm>
-            <a:off x="1143225" y="685800"/>
-            <a:ext cx="4572225" cy="3429000"/>
+            <a:off x="381000" y="685800"/>
+            <a:ext cx="6096000" cy="3429000"/>
           </a:xfrm>
           <a:custGeom>
             <a:avLst/>
@@ -2145,8 +2148,8 @@
         </p:nvSpPr>
         <p:spPr>
           <a:xfrm>
-            <a:off x="1143225" y="685800"/>
-            <a:ext cx="4572225" cy="3429000"/>
+            <a:off x="381000" y="685800"/>
+            <a:ext cx="6096000" cy="3429000"/>
           </a:xfrm>
           <a:custGeom>
             <a:avLst/>
@@ -18256,10 +18259,10 @@
               <a:buNone/>
             </a:pPr>
             <a:r>
-              <a:rPr lang="en-US" sz="2800"/>
+              <a:rPr lang="en-US" sz="2800" dirty="0"/>
               <a:t>-JU A HAN</a:t>
             </a:r>
-            <a:endParaRPr/>
+            <a:endParaRPr dirty="0"/>
           </a:p>
           <a:p>
             <a:pPr marL="0" lvl="0" indent="0" algn="ctr" rtl="0">
@@ -18279,10 +18282,10 @@
               <a:buNone/>
             </a:pPr>
             <a:r>
-              <a:rPr lang="en-US" sz="2800"/>
+              <a:rPr lang="en-US" sz="2800" dirty="0"/>
               <a:t>-LAKSHMI</a:t>
             </a:r>
-            <a:endParaRPr/>
+            <a:endParaRPr lang="en-US" dirty="0"/>
           </a:p>
           <a:p>
             <a:pPr marL="0" lvl="0" indent="0" algn="ctr" rtl="0">
@@ -18302,10 +18305,9 @@
               <a:buNone/>
             </a:pPr>
             <a:r>
-              <a:rPr lang="en-US" sz="2800"/>
+              <a:rPr lang="en-US" sz="2800" dirty="0"/>
               <a:t>-SANA</a:t>
             </a:r>
-            <a:endParaRPr sz="2800"/>
           </a:p>
           <a:p>
             <a:pPr marL="0" lvl="0" indent="0" algn="ctr" rtl="0">
@@ -18325,10 +18327,10 @@
               <a:buNone/>
             </a:pPr>
             <a:r>
-              <a:rPr lang="en-US" sz="2800"/>
+              <a:rPr lang="en-US" sz="2800" dirty="0"/>
               <a:t>-SOUJANYA</a:t>
             </a:r>
-            <a:endParaRPr sz="2800"/>
+            <a:endParaRPr sz="2800" dirty="0"/>
           </a:p>
         </p:txBody>
       </p:sp>
@@ -20405,7 +20407,7 @@
               <a:buChar char="•"/>
             </a:pPr>
             <a:r>
-              <a:rPr lang="en-US" sz="2000">
+              <a:rPr lang="en-US" sz="2000" dirty="0">
                 <a:solidFill>
                   <a:srgbClr val="222222"/>
                 </a:solidFill>
@@ -20417,9 +20419,9 @@
                 <a:cs typeface="Arial"/>
                 <a:sym typeface="Arial"/>
               </a:rPr>
-              <a:t>Creating and Designing Visualisations</a:t>
+              <a:t>Creating and Designing Visualizations</a:t>
             </a:r>
-            <a:endParaRPr sz="2000">
+            <a:endParaRPr sz="2000" dirty="0">
               <a:solidFill>
                 <a:srgbClr val="222222"/>
               </a:solidFill>
@@ -20451,7 +20453,7 @@
               <a:buChar char="•"/>
             </a:pPr>
             <a:r>
-              <a:rPr lang="en-US" sz="2000">
+              <a:rPr lang="en-US" sz="2000" dirty="0">
                 <a:solidFill>
                   <a:srgbClr val="222222"/>
                 </a:solidFill>
@@ -20465,7 +20467,7 @@
               </a:rPr>
               <a:t>Limited Access to Sensitive Suicide Data</a:t>
             </a:r>
-            <a:endParaRPr sz="2000">
+            <a:endParaRPr sz="2000" dirty="0">
               <a:solidFill>
                 <a:srgbClr val="222222"/>
               </a:solidFill>
@@ -20497,7 +20499,7 @@
               <a:buChar char="•"/>
             </a:pPr>
             <a:r>
-              <a:rPr lang="en-US" sz="2000">
+              <a:rPr lang="en-US" sz="2000" dirty="0">
                 <a:solidFill>
                   <a:srgbClr val="222222"/>
                 </a:solidFill>
@@ -20509,9 +20511,9 @@
                 <a:cs typeface="Arial"/>
                 <a:sym typeface="Arial"/>
               </a:rPr>
-              <a:t>API did not have all the county codes we wanted</a:t>
+              <a:t>API did not have all the country codes we wanted</a:t>
             </a:r>
-            <a:endParaRPr sz="2000">
+            <a:endParaRPr sz="2000" dirty="0">
               <a:solidFill>
                 <a:srgbClr val="222222"/>
               </a:solidFill>
@@ -20537,7 +20539,7 @@
               </a:spcAft>
               <a:buNone/>
             </a:pPr>
-            <a:endParaRPr sz="2000">
+            <a:endParaRPr sz="2000" dirty="0">
               <a:solidFill>
                 <a:srgbClr val="222222"/>
               </a:solidFill>
@@ -20656,11 +20658,11 @@
         </p:spPr>
         <p:txBody>
           <a:bodyPr spcFirstLastPara="1" wrap="square" lIns="91425" tIns="45700" rIns="91425" bIns="45700" anchor="t" anchorCtr="0">
-            <a:normAutofit lnSpcReduction="10000"/>
+            <a:normAutofit fontScale="92500" lnSpcReduction="10000"/>
           </a:bodyPr>
           <a:lstStyle/>
           <a:p>
-            <a:pPr marL="228600" lvl="0" indent="-50800" algn="l" rtl="0">
+            <a:pPr marL="228600" lvl="0" indent="-50800" algn="just" rtl="0">
               <a:lnSpc>
                 <a:spcPct val="90000"/>
               </a:lnSpc>
@@ -20708,7 +20710,7 @@
             </a:endParaRPr>
           </a:p>
           <a:p>
-            <a:pPr marL="228600" lvl="0" indent="-50800" algn="l" rtl="0">
+            <a:pPr marL="228600" lvl="0" indent="-50800" algn="just" rtl="0">
               <a:lnSpc>
                 <a:spcPct val="90000"/>
               </a:lnSpc>
@@ -20731,7 +20733,7 @@
                 <a:cs typeface="Arial"/>
                 <a:sym typeface="Arial"/>
               </a:rPr>
-              <a:t> Suicide is indeed one of the most talked about issue in these crisis times and this research helped us to check the influence of multiple factors such as poverty, mental health, unemployment and many more. </a:t>
+              <a:t>Suicide is indeed one of the most talked about issue in these crisis times and this research helped us to check the influence of multiple factors such as poverty, mental health, unemployment and many more. </a:t>
             </a:r>
             <a:endParaRPr sz="2000" dirty="0">
               <a:latin typeface="Arial"/>
@@ -20741,7 +20743,7 @@
             </a:endParaRPr>
           </a:p>
           <a:p>
-            <a:pPr marL="228600" lvl="0" indent="-50800" algn="l" rtl="0">
+            <a:pPr marL="228600" lvl="0" indent="-50800" rtl="0">
               <a:lnSpc>
                 <a:spcPct val="90000"/>
               </a:lnSpc>
@@ -20774,7 +20776,7 @@
             </a:endParaRPr>
           </a:p>
           <a:p>
-            <a:pPr marL="228600" lvl="0" indent="-50800" algn="l" rtl="0">
+            <a:pPr marL="228600" lvl="0" indent="-50800" algn="just" rtl="0">
               <a:lnSpc>
                 <a:spcPct val="90000"/>
               </a:lnSpc>
@@ -20797,7 +20799,58 @@
                 <a:cs typeface="Arial"/>
                 <a:sym typeface="Arial"/>
               </a:rPr>
-              <a:t> We wish to continue our research and help people in knowing the exact leading causes of suicide so that it is much easier to prevent it and help those who are close to committing it. However, the reason behind suicide can’t be easily identified. Each country has different socio-economic and cultural backgrounds which also makes identifying underlying causes difficult.</a:t>
+              <a:t>The purpose of this project is not to discuss the reason behind the suicide rates of a specific country but to try to understand the variation of suicide rate over the course of the years and to identify potential factors that may have contributed to the change.</a:t>
+            </a:r>
+          </a:p>
+          <a:p>
+            <a:pPr marL="228600" lvl="0" indent="-50800" algn="just" rtl="0">
+              <a:lnSpc>
+                <a:spcPct val="90000"/>
+              </a:lnSpc>
+              <a:spcBef>
+                <a:spcPts val="0"/>
+              </a:spcBef>
+              <a:spcAft>
+                <a:spcPts val="0"/>
+              </a:spcAft>
+              <a:buClr>
+                <a:schemeClr val="dk1"/>
+              </a:buClr>
+              <a:buSzPts val="2800"/>
+              <a:buNone/>
+            </a:pPr>
+            <a:endParaRPr lang="en-US" sz="2000" dirty="0">
+              <a:latin typeface="Arial"/>
+              <a:ea typeface="Arial"/>
+              <a:cs typeface="Arial"/>
+              <a:sym typeface="Arial"/>
+            </a:endParaRPr>
+          </a:p>
+          <a:p>
+            <a:pPr marL="228600" lvl="0" indent="-50800" algn="just" rtl="0">
+              <a:lnSpc>
+                <a:spcPct val="90000"/>
+              </a:lnSpc>
+              <a:spcBef>
+                <a:spcPts val="0"/>
+              </a:spcBef>
+              <a:spcAft>
+                <a:spcPts val="0"/>
+              </a:spcAft>
+              <a:buClr>
+                <a:schemeClr val="dk1"/>
+              </a:buClr>
+              <a:buSzPts val="2800"/>
+              <a:buNone/>
+            </a:pPr>
+            <a:r>
+              <a:rPr lang="en-US" sz="2000" dirty="0">
+                <a:latin typeface="Arial"/>
+                <a:ea typeface="Arial"/>
+                <a:cs typeface="Arial"/>
+                <a:sym typeface="Arial"/>
+              </a:rPr>
+              <a:t>However, the reason behind suicide can’t be easily identified. Each country has different socio economic and cultural backgrounds which also makes identifying underlying causes difficult.</a:t>
             </a:r>
             <a:endParaRPr sz="2000" dirty="0">
               <a:latin typeface="Arial"/>
@@ -20807,7 +20860,7 @@
             </a:endParaRPr>
           </a:p>
           <a:p>
-            <a:pPr marL="177800" lvl="0" indent="0" algn="l" rtl="0">
+            <a:pPr marL="177800" lvl="0" indent="0" algn="just" rtl="0">
               <a:lnSpc>
                 <a:spcPct val="90000"/>
               </a:lnSpc>
@@ -20831,7 +20884,7 @@
             </a:endParaRPr>
           </a:p>
           <a:p>
-            <a:pPr marL="177800" lvl="0" indent="0" algn="l" rtl="0">
+            <a:pPr marL="177800" lvl="0" indent="0" algn="just" rtl="0">
               <a:lnSpc>
                 <a:spcPct val="90000"/>
               </a:lnSpc>
@@ -20854,7 +20907,7 @@
                 <a:cs typeface="Arial"/>
                 <a:sym typeface="Arial"/>
               </a:rPr>
-              <a:t>Our goal with this project was to give users a clean platform to view and interact with the data so further research becomes easier.</a:t>
+              <a:t>Our goal with this project is to give users a clean platform to view and interact with the data        so further research becomes easier.</a:t>
             </a:r>
             <a:endParaRPr sz="2000" dirty="0">
               <a:latin typeface="Arial"/>
@@ -21263,10 +21316,10 @@
               <a:buNone/>
             </a:pPr>
             <a:r>
-              <a:rPr lang="en-US"/>
+              <a:rPr lang="en-US" dirty="0"/>
               <a:t>Components Used</a:t>
             </a:r>
-            <a:endParaRPr/>
+            <a:endParaRPr dirty="0"/>
           </a:p>
         </p:txBody>
       </p:sp>
@@ -21283,7 +21336,7 @@
         <p:spPr>
           <a:xfrm>
             <a:off x="838200" y="1825625"/>
-            <a:ext cx="10515600" cy="4351200"/>
+            <a:ext cx="10515600" cy="4667250"/>
           </a:xfrm>
           <a:prstGeom prst="rect">
             <a:avLst/>
@@ -21310,7 +21363,7 @@
               <a:buChar char="•"/>
             </a:pPr>
             <a:r>
-              <a:rPr lang="en-US" sz="2000" b="1">
+              <a:rPr lang="en-US" sz="2000" b="1" dirty="0">
                 <a:latin typeface="Arial"/>
                 <a:ea typeface="Arial"/>
                 <a:cs typeface="Arial"/>
@@ -21318,7 +21371,7 @@
               </a:rPr>
               <a:t>Data Sources </a:t>
             </a:r>
-            <a:endParaRPr sz="2000" b="1">
+            <a:endParaRPr sz="2000" b="1" dirty="0">
               <a:latin typeface="Arial"/>
               <a:ea typeface="Arial"/>
               <a:cs typeface="Arial"/>
@@ -21341,7 +21394,7 @@
               <a:buChar char="•"/>
             </a:pPr>
             <a:r>
-              <a:rPr lang="en-US" sz="1800">
+              <a:rPr lang="en-US" sz="1800" dirty="0">
                 <a:latin typeface="Arial"/>
                 <a:ea typeface="Arial"/>
                 <a:cs typeface="Arial"/>
@@ -21350,7 +21403,7 @@
               <a:t>Csv file: </a:t>
             </a:r>
             <a:r>
-              <a:rPr lang="en-US" sz="1800" u="sng">
+              <a:rPr lang="en-US" sz="1800" u="sng" dirty="0">
                 <a:solidFill>
                   <a:schemeClr val="hlink"/>
                 </a:solidFill>
@@ -21362,7 +21415,7 @@
               </a:rPr>
               <a:t>https://www.kaggle.com/russellyates88/suicide-rates-overview-1985-to-2016 </a:t>
             </a:r>
-            <a:endParaRPr sz="1800">
+            <a:endParaRPr sz="1800" dirty="0">
               <a:latin typeface="Arial"/>
               <a:ea typeface="Arial"/>
               <a:cs typeface="Arial"/>
@@ -21385,7 +21438,7 @@
               <a:buChar char="•"/>
             </a:pPr>
             <a:r>
-              <a:rPr lang="en-US" sz="1800">
+              <a:rPr lang="en-US" sz="1800" dirty="0">
                 <a:latin typeface="Arial"/>
                 <a:ea typeface="Arial"/>
                 <a:cs typeface="Arial"/>
@@ -21394,7 +21447,7 @@
               <a:t>API: </a:t>
             </a:r>
             <a:r>
-              <a:rPr lang="en-US" sz="1800" u="sng">
+              <a:rPr lang="en-US" sz="1800" u="sng" dirty="0">
                 <a:solidFill>
                   <a:schemeClr val="hlink"/>
                 </a:solidFill>
@@ -21406,7 +21459,7 @@
               </a:rPr>
               <a:t>https://raw.githubusercontent.com/datasets/geo-countries/master/data/countries.geojson</a:t>
             </a:r>
-            <a:endParaRPr sz="1800">
+            <a:endParaRPr sz="1800" dirty="0">
               <a:latin typeface="Arial"/>
               <a:ea typeface="Arial"/>
               <a:cs typeface="Arial"/>
@@ -21429,7 +21482,7 @@
               <a:buChar char="•"/>
             </a:pPr>
             <a:r>
-              <a:rPr lang="en-US" sz="2000" b="1">
+              <a:rPr lang="en-US" sz="2000" b="1" dirty="0">
                 <a:latin typeface="Arial"/>
                 <a:ea typeface="Arial"/>
                 <a:cs typeface="Arial"/>
@@ -21438,15 +21491,15 @@
               <a:t>Database </a:t>
             </a:r>
             <a:r>
-              <a:rPr lang="en-US" sz="2000">
+              <a:rPr lang="en-US" sz="2000" dirty="0">
                 <a:latin typeface="Arial"/>
                 <a:ea typeface="Arial"/>
                 <a:cs typeface="Arial"/>
                 <a:sym typeface="Arial"/>
               </a:rPr>
-              <a:t>– PostgreSQL – Generated by Python Script, Table created from csv file</a:t>
+              <a:t>– Heroku PostgreSQL – Generated by Python Script, Table created from csv file</a:t>
             </a:r>
-            <a:endParaRPr sz="2000">
+            <a:endParaRPr sz="2000" dirty="0">
               <a:latin typeface="Arial"/>
               <a:ea typeface="Arial"/>
               <a:cs typeface="Arial"/>
@@ -21469,7 +21522,7 @@
               <a:buChar char="•"/>
             </a:pPr>
             <a:r>
-              <a:rPr lang="en-US" sz="2000" b="1">
+              <a:rPr lang="en-US" sz="2000" b="1" dirty="0">
                 <a:latin typeface="Arial"/>
                 <a:ea typeface="Arial"/>
                 <a:cs typeface="Arial"/>
@@ -21478,7 +21531,7 @@
               <a:t>Flask </a:t>
             </a:r>
             <a:r>
-              <a:rPr lang="en-US" sz="2000">
+              <a:rPr lang="en-US" sz="2000" dirty="0">
                 <a:latin typeface="Arial"/>
                 <a:ea typeface="Arial"/>
                 <a:cs typeface="Arial"/>
@@ -21486,7 +21539,7 @@
               </a:rPr>
               <a:t>– Python code, connects to PostgreSQL, retrieves the data from PostgreSQL, Serves data in JSON format via endpoints</a:t>
             </a:r>
-            <a:endParaRPr sz="2000">
+            <a:endParaRPr sz="2000" dirty="0">
               <a:latin typeface="Arial"/>
               <a:ea typeface="Arial"/>
               <a:cs typeface="Arial"/>
@@ -21509,7 +21562,7 @@
               <a:buChar char="•"/>
             </a:pPr>
             <a:r>
-              <a:rPr lang="en-US" sz="2000" b="1">
+              <a:rPr lang="en-US" sz="2000" b="1" dirty="0">
                 <a:latin typeface="Arial"/>
                 <a:ea typeface="Arial"/>
                 <a:cs typeface="Arial"/>
@@ -21518,7 +21571,7 @@
               <a:t>Landing Page</a:t>
             </a:r>
             <a:r>
-              <a:rPr lang="en-US" sz="2000">
+              <a:rPr lang="en-US" sz="2000" dirty="0">
                 <a:latin typeface="Arial"/>
                 <a:ea typeface="Arial"/>
                 <a:cs typeface="Arial"/>
@@ -21526,7 +21579,7 @@
               </a:rPr>
               <a:t> – index.html - custom CSS files</a:t>
             </a:r>
-            <a:endParaRPr sz="2000">
+            <a:endParaRPr sz="2000" dirty="0">
               <a:latin typeface="Arial"/>
               <a:ea typeface="Arial"/>
               <a:cs typeface="Arial"/>
@@ -21549,7 +21602,7 @@
               <a:buChar char="•"/>
             </a:pPr>
             <a:r>
-              <a:rPr lang="en-US" sz="2000" b="1">
+              <a:rPr lang="en-US" sz="2000" b="1" dirty="0">
                 <a:latin typeface="Arial"/>
                 <a:ea typeface="Arial"/>
                 <a:cs typeface="Arial"/>
@@ -21558,15 +21611,66 @@
               <a:t>Data Visualization</a:t>
             </a:r>
             <a:r>
-              <a:rPr lang="en-US" sz="2000">
+              <a:rPr lang="en-US" sz="2000" dirty="0">
                 <a:latin typeface="Arial"/>
                 <a:ea typeface="Arial"/>
                 <a:cs typeface="Arial"/>
                 <a:sym typeface="Arial"/>
               </a:rPr>
-              <a:t> (Libraries used) – java script, D3.js, Plotly, D3,geomap/JQuery with Ajax (new library)</a:t>
+              <a:t> (Libraries used) – java script, D3.js, </a:t>
             </a:r>
-            <a:endParaRPr sz="2000">
+            <a:r>
+              <a:rPr lang="en-US" sz="2000" dirty="0" err="1">
+                <a:latin typeface="Arial"/>
+                <a:ea typeface="Arial"/>
+                <a:cs typeface="Arial"/>
+                <a:sym typeface="Arial"/>
+              </a:rPr>
+              <a:t>Plotly</a:t>
+            </a:r>
+            <a:r>
+              <a:rPr lang="en-US" sz="2000" dirty="0">
+                <a:latin typeface="Arial"/>
+                <a:ea typeface="Arial"/>
+                <a:cs typeface="Arial"/>
+                <a:sym typeface="Arial"/>
+              </a:rPr>
+              <a:t>, </a:t>
+            </a:r>
+            <a:r>
+              <a:rPr lang="en-US" sz="2000" dirty="0" err="1">
+                <a:latin typeface="Arial"/>
+                <a:ea typeface="Arial"/>
+                <a:cs typeface="Arial"/>
+                <a:sym typeface="Arial"/>
+              </a:rPr>
+              <a:t>JQuery</a:t>
+            </a:r>
+            <a:r>
+              <a:rPr lang="en-US" sz="2000" dirty="0">
+                <a:latin typeface="Arial"/>
+                <a:ea typeface="Arial"/>
+                <a:cs typeface="Arial"/>
+                <a:sym typeface="Arial"/>
+              </a:rPr>
+              <a:t> with Ajax (new library)</a:t>
+            </a:r>
+          </a:p>
+          <a:p>
+            <a:pPr marL="101600" lvl="0" indent="0" algn="l" rtl="0">
+              <a:lnSpc>
+                <a:spcPct val="150000"/>
+              </a:lnSpc>
+              <a:spcBef>
+                <a:spcPts val="0"/>
+              </a:spcBef>
+              <a:spcAft>
+                <a:spcPts val="0"/>
+              </a:spcAft>
+              <a:buSzPts val="2000"/>
+              <a:buNone/>
+            </a:pPr>
+            <a:endParaRPr sz="2000" dirty="0">
               <a:latin typeface="Arial"/>
               <a:ea typeface="Arial"/>
               <a:cs typeface="Arial"/>
@@ -21583,7 +21687,7 @@
               </a:spcAft>
               <a:buNone/>
             </a:pPr>
-            <a:endParaRPr/>
+            <a:endParaRPr dirty="0"/>
           </a:p>
         </p:txBody>
       </p:sp>
@@ -21965,7 +22069,7 @@
         </p:spPr>
         <p:txBody>
           <a:bodyPr spcFirstLastPara="1" wrap="square" lIns="91425" tIns="45700" rIns="91425" bIns="45700" anchor="t" anchorCtr="0">
-            <a:normAutofit/>
+            <a:normAutofit fontScale="92500" lnSpcReduction="20000"/>
           </a:bodyPr>
           <a:lstStyle/>
           <a:p>
@@ -21986,7 +22090,7 @@
               <a:buChar char="•"/>
             </a:pPr>
             <a:r>
-              <a:rPr lang="en-US" sz="2000">
+              <a:rPr lang="en-US" sz="2000" dirty="0">
                 <a:solidFill>
                   <a:srgbClr val="24292E"/>
                 </a:solidFill>
@@ -21998,10 +22102,10 @@
                 <a:cs typeface="Arial"/>
                 <a:sym typeface="Arial"/>
               </a:rPr>
-              <a:t>Our Dashboard shows the analysis of the suicide rates from countries all over the world and visualizes the patterns in choropleth map and charts. This </a:t>
+              <a:t>Our Interactive Dashboard shows the analysis of the suicide rates from countries all over the world and visualizes the patterns in choropleth map and charts. This </a:t>
             </a:r>
             <a:r>
-              <a:rPr lang="en-US" sz="2000">
+              <a:rPr lang="en-US" sz="2000" dirty="0">
                 <a:solidFill>
                   <a:srgbClr val="333333"/>
                 </a:solidFill>
@@ -22012,7 +22116,7 @@
               </a:rPr>
               <a:t>allows users to navigate to specific charts by clicking on any of those graphs for an in depth analysis</a:t>
             </a:r>
-            <a:endParaRPr sz="2000">
+            <a:endParaRPr sz="2000" dirty="0">
               <a:latin typeface="Arial"/>
               <a:ea typeface="Arial"/>
               <a:cs typeface="Arial"/>
@@ -22037,7 +22141,7 @@
               <a:buChar char="•"/>
             </a:pPr>
             <a:r>
-              <a:rPr lang="en-US" sz="2000">
+              <a:rPr lang="en-US" sz="2000" dirty="0">
                 <a:solidFill>
                   <a:srgbClr val="333333"/>
                 </a:solidFill>
@@ -22049,7 +22153,7 @@
               <a:t>Further, our graphs </a:t>
             </a:r>
             <a:r>
-              <a:rPr lang="en-US" sz="2000">
+              <a:rPr lang="en-US" sz="2000" dirty="0">
                 <a:solidFill>
                   <a:srgbClr val="222222"/>
                 </a:solidFill>
@@ -22064,7 +22168,7 @@
               <a:t>allow the user to select specific year / countries to include in the comparison</a:t>
             </a:r>
             <a:r>
-              <a:rPr lang="en-US" sz="2000">
+              <a:rPr lang="en-US" sz="2000" dirty="0">
                 <a:solidFill>
                   <a:srgbClr val="333333"/>
                 </a:solidFill>
@@ -22075,7 +22179,7 @@
               </a:rPr>
               <a:t>.</a:t>
             </a:r>
-            <a:endParaRPr sz="2000">
+            <a:endParaRPr sz="2000" dirty="0">
               <a:solidFill>
                 <a:srgbClr val="333333"/>
               </a:solidFill>
@@ -22104,7 +22208,7 @@
               <a:buChar char="•"/>
             </a:pPr>
             <a:r>
-              <a:rPr lang="en-US" sz="2000">
+              <a:rPr lang="en-US" sz="2000" dirty="0">
                 <a:solidFill>
                   <a:srgbClr val="333333"/>
                 </a:solidFill>
@@ -22115,7 +22219,7 @@
               </a:rPr>
               <a:t>We also created a choropleth map which visualizes the global suicide count among the countries.</a:t>
             </a:r>
-            <a:endParaRPr sz="2000">
+            <a:endParaRPr sz="2000" dirty="0">
               <a:solidFill>
                 <a:srgbClr val="333333"/>
               </a:solidFill>
@@ -22142,7 +22246,7 @@
               <a:buSzPts val="2800"/>
               <a:buNone/>
             </a:pPr>
-            <a:endParaRPr>
+            <a:endParaRPr dirty="0">
               <a:solidFill>
                 <a:srgbClr val="333333"/>
               </a:solidFill>
@@ -22169,7 +22273,7 @@
               <a:buSzPts val="2800"/>
               <a:buNone/>
             </a:pPr>
-            <a:endParaRPr b="0" i="0">
+            <a:endParaRPr b="0" i="0" dirty="0">
               <a:solidFill>
                 <a:srgbClr val="333333"/>
               </a:solidFill>
@@ -22197,9 +22301,9 @@
               <a:buNone/>
             </a:pPr>
             <a:br>
-              <a:rPr lang="en-US"/>
+              <a:rPr lang="en-US" dirty="0"/>
             </a:br>
-            <a:endParaRPr/>
+            <a:endParaRPr dirty="0"/>
           </a:p>
         </p:txBody>
       </p:sp>
@@ -22395,7 +22499,7 @@
               <a:buNone/>
             </a:pPr>
             <a:r>
-              <a:rPr lang="en-US" sz="2000">
+              <a:rPr lang="en-US" sz="2000" dirty="0">
                 <a:solidFill>
                   <a:srgbClr val="000000"/>
                 </a:solidFill>
@@ -22406,7 +22510,7 @@
               </a:rPr>
               <a:t>This Graph represents the number of suicides by Gender.</a:t>
             </a:r>
-            <a:endParaRPr sz="2000">
+            <a:endParaRPr sz="2000" dirty="0">
               <a:solidFill>
                 <a:srgbClr val="000000"/>
               </a:solidFill>
@@ -22433,7 +22537,7 @@
               <a:buSzPts val="2800"/>
               <a:buNone/>
             </a:pPr>
-            <a:endParaRPr sz="2000">
+            <a:endParaRPr sz="2000" dirty="0">
               <a:solidFill>
                 <a:srgbClr val="000000"/>
               </a:solidFill>
@@ -22461,7 +22565,7 @@
               <a:buNone/>
             </a:pPr>
             <a:r>
-              <a:rPr lang="en-US" sz="2000">
+              <a:rPr lang="en-US" sz="2000" dirty="0">
                 <a:solidFill>
                   <a:srgbClr val="000000"/>
                 </a:solidFill>
@@ -22470,9 +22574,9 @@
                 <a:cs typeface="Arial"/>
                 <a:sym typeface="Arial"/>
               </a:rPr>
-              <a:t>Suicide is more common in men than women. Men are four times more likely to die by suicide than women.</a:t>
+              <a:t>Suicide is more common in men than women. Men are three times more likely to die by suicide than women.</a:t>
             </a:r>
-            <a:endParaRPr sz="2000">
+            <a:endParaRPr sz="2000" dirty="0">
               <a:solidFill>
                 <a:srgbClr val="000000"/>
               </a:solidFill>
@@ -22499,7 +22603,7 @@
               <a:buSzPts val="2800"/>
               <a:buNone/>
             </a:pPr>
-            <a:endParaRPr sz="2000">
+            <a:endParaRPr sz="2000" dirty="0">
               <a:solidFill>
                 <a:srgbClr val="000000"/>
               </a:solidFill>
@@ -22527,7 +22631,7 @@
               <a:buNone/>
             </a:pPr>
             <a:r>
-              <a:rPr lang="en-US" sz="2000">
+              <a:rPr lang="en-US" sz="2000" dirty="0">
                 <a:solidFill>
                   <a:srgbClr val="000000"/>
                 </a:solidFill>
@@ -22538,7 +22642,7 @@
               </a:rPr>
               <a:t>Suicides by men account for 76.9% of the total suicides.</a:t>
             </a:r>
-            <a:endParaRPr sz="2000">
+            <a:endParaRPr sz="2000" dirty="0">
               <a:solidFill>
                 <a:srgbClr val="000000"/>
               </a:solidFill>

--- a/PROJECT-2.pptx
+++ b/PROJECT-2.pptx
@@ -278,6 +278,9 @@
     </a:lvl9pPr>
   </p:defaultTextStyle>
   <p:extLst>
+    <p:ext uri="{EFAFB233-063F-42B5-8137-9DF3F51BA10A}">
+      <p15:sldGuideLst xmlns:p15="http://schemas.microsoft.com/office/powerpoint/2012/main"/>
+    </p:ext>
     <p:ext uri="http://customooxmlschemas.google.com/">
       <go:slidesCustomData xmlns:go="http://customooxmlschemas.google.com/" xmlns:ahyp="http://schemas.microsoft.com/office/drawing/2018/hyperlinkcolor" xmlns:p15="http://schemas.microsoft.com/office/powerpoint/2012/main" xmlns:p14="http://schemas.microsoft.com/office/powerpoint/2010/main" xmlns:com="http://schemas.openxmlformats.org/drawingml/2006/compatibility" xmlns:pvml="urn:schemas-microsoft-com:office:powerpoint" xmlns:v="urn:schemas-microsoft-com:vml" xmlns:o="urn:schemas-microsoft-com:office:office" xmlns:dgm="http://schemas.openxmlformats.org/drawingml/2006/diagram" xmlns:c="http://schemas.openxmlformats.org/drawingml/2006/chart" xmlns:mv="urn:schemas-microsoft-com:mac:vml" xmlns:mc="http://schemas.openxmlformats.org/markup-compatibility/2006" xmlns="" r:id="rId31" roundtripDataSignature="AMtx7miDSyupjvEI9wyX4sh3K4SvUccyMg=="/>
     </p:ext>
@@ -793,8 +796,8 @@
         </p:nvSpPr>
         <p:spPr>
           <a:xfrm>
-            <a:off x="1143225" y="685800"/>
-            <a:ext cx="4572225" cy="3429000"/>
+            <a:off x="381000" y="685800"/>
+            <a:ext cx="6096000" cy="3429000"/>
           </a:xfrm>
           <a:custGeom>
             <a:avLst/>
@@ -1417,8 +1420,8 @@
         </p:nvSpPr>
         <p:spPr>
           <a:xfrm>
-            <a:off x="1143225" y="685800"/>
-            <a:ext cx="4572225" cy="3429000"/>
+            <a:off x="381000" y="685800"/>
+            <a:ext cx="6096000" cy="3429000"/>
           </a:xfrm>
           <a:custGeom>
             <a:avLst/>
@@ -1691,8 +1694,8 @@
         </p:nvSpPr>
         <p:spPr>
           <a:xfrm>
-            <a:off x="1143225" y="685800"/>
-            <a:ext cx="4572300" cy="3429000"/>
+            <a:off x="381000" y="685800"/>
+            <a:ext cx="6096000" cy="3429000"/>
           </a:xfrm>
           <a:custGeom>
             <a:avLst/>
@@ -1937,8 +1940,8 @@
         </p:nvSpPr>
         <p:spPr>
           <a:xfrm>
-            <a:off x="1143225" y="685800"/>
-            <a:ext cx="4572225" cy="3429000"/>
+            <a:off x="381000" y="685800"/>
+            <a:ext cx="6096000" cy="3429000"/>
           </a:xfrm>
           <a:custGeom>
             <a:avLst/>
@@ -2145,8 +2148,8 @@
         </p:nvSpPr>
         <p:spPr>
           <a:xfrm>
-            <a:off x="1143225" y="685800"/>
-            <a:ext cx="4572225" cy="3429000"/>
+            <a:off x="381000" y="685800"/>
+            <a:ext cx="6096000" cy="3429000"/>
           </a:xfrm>
           <a:custGeom>
             <a:avLst/>
@@ -18256,10 +18259,10 @@
               <a:buNone/>
             </a:pPr>
             <a:r>
-              <a:rPr lang="en-US" sz="2800"/>
+              <a:rPr lang="en-US" sz="2800" dirty="0"/>
               <a:t>-JU A HAN</a:t>
             </a:r>
-            <a:endParaRPr/>
+            <a:endParaRPr dirty="0"/>
           </a:p>
           <a:p>
             <a:pPr marL="0" lvl="0" indent="0" algn="ctr" rtl="0">
@@ -18279,10 +18282,10 @@
               <a:buNone/>
             </a:pPr>
             <a:r>
-              <a:rPr lang="en-US" sz="2800"/>
+              <a:rPr lang="en-US" sz="2800" dirty="0"/>
               <a:t>-LAKSHMI</a:t>
             </a:r>
-            <a:endParaRPr/>
+            <a:endParaRPr lang="en-US" dirty="0"/>
           </a:p>
           <a:p>
             <a:pPr marL="0" lvl="0" indent="0" algn="ctr" rtl="0">
@@ -18302,10 +18305,9 @@
               <a:buNone/>
             </a:pPr>
             <a:r>
-              <a:rPr lang="en-US" sz="2800"/>
+              <a:rPr lang="en-US" sz="2800" dirty="0"/>
               <a:t>-SANA</a:t>
             </a:r>
-            <a:endParaRPr sz="2800"/>
           </a:p>
           <a:p>
             <a:pPr marL="0" lvl="0" indent="0" algn="ctr" rtl="0">
@@ -18325,10 +18327,10 @@
               <a:buNone/>
             </a:pPr>
             <a:r>
-              <a:rPr lang="en-US" sz="2800"/>
+              <a:rPr lang="en-US" sz="2800" dirty="0"/>
               <a:t>-SOUJANYA</a:t>
             </a:r>
-            <a:endParaRPr sz="2800"/>
+            <a:endParaRPr sz="2800" dirty="0"/>
           </a:p>
         </p:txBody>
       </p:sp>
@@ -20405,7 +20407,7 @@
               <a:buChar char="•"/>
             </a:pPr>
             <a:r>
-              <a:rPr lang="en-US" sz="2000">
+              <a:rPr lang="en-US" sz="2000" dirty="0">
                 <a:solidFill>
                   <a:srgbClr val="222222"/>
                 </a:solidFill>
@@ -20417,9 +20419,9 @@
                 <a:cs typeface="Arial"/>
                 <a:sym typeface="Arial"/>
               </a:rPr>
-              <a:t>Creating and Designing Visualisations</a:t>
+              <a:t>Creating and Designing Visualizations</a:t>
             </a:r>
-            <a:endParaRPr sz="2000">
+            <a:endParaRPr sz="2000" dirty="0">
               <a:solidFill>
                 <a:srgbClr val="222222"/>
               </a:solidFill>
@@ -20451,7 +20453,7 @@
               <a:buChar char="•"/>
             </a:pPr>
             <a:r>
-              <a:rPr lang="en-US" sz="2000">
+              <a:rPr lang="en-US" sz="2000" dirty="0">
                 <a:solidFill>
                   <a:srgbClr val="222222"/>
                 </a:solidFill>
@@ -20465,7 +20467,7 @@
               </a:rPr>
               <a:t>Limited Access to Sensitive Suicide Data</a:t>
             </a:r>
-            <a:endParaRPr sz="2000">
+            <a:endParaRPr sz="2000" dirty="0">
               <a:solidFill>
                 <a:srgbClr val="222222"/>
               </a:solidFill>
@@ -20497,7 +20499,7 @@
               <a:buChar char="•"/>
             </a:pPr>
             <a:r>
-              <a:rPr lang="en-US" sz="2000">
+              <a:rPr lang="en-US" sz="2000" dirty="0">
                 <a:solidFill>
                   <a:srgbClr val="222222"/>
                 </a:solidFill>
@@ -20509,9 +20511,9 @@
                 <a:cs typeface="Arial"/>
                 <a:sym typeface="Arial"/>
               </a:rPr>
-              <a:t>API did not have all the county codes we wanted</a:t>
+              <a:t>API did not have all the country codes we wanted</a:t>
             </a:r>
-            <a:endParaRPr sz="2000">
+            <a:endParaRPr sz="2000" dirty="0">
               <a:solidFill>
                 <a:srgbClr val="222222"/>
               </a:solidFill>
@@ -20537,7 +20539,7 @@
               </a:spcAft>
               <a:buNone/>
             </a:pPr>
-            <a:endParaRPr sz="2000">
+            <a:endParaRPr sz="2000" dirty="0">
               <a:solidFill>
                 <a:srgbClr val="222222"/>
               </a:solidFill>
@@ -20656,11 +20658,11 @@
         </p:spPr>
         <p:txBody>
           <a:bodyPr spcFirstLastPara="1" wrap="square" lIns="91425" tIns="45700" rIns="91425" bIns="45700" anchor="t" anchorCtr="0">
-            <a:normAutofit lnSpcReduction="10000"/>
+            <a:normAutofit fontScale="92500" lnSpcReduction="10000"/>
           </a:bodyPr>
           <a:lstStyle/>
           <a:p>
-            <a:pPr marL="228600" lvl="0" indent="-50800" algn="l" rtl="0">
+            <a:pPr marL="228600" lvl="0" indent="-50800" algn="just" rtl="0">
               <a:lnSpc>
                 <a:spcPct val="90000"/>
               </a:lnSpc>
@@ -20708,7 +20710,7 @@
             </a:endParaRPr>
           </a:p>
           <a:p>
-            <a:pPr marL="228600" lvl="0" indent="-50800" algn="l" rtl="0">
+            <a:pPr marL="228600" lvl="0" indent="-50800" algn="just" rtl="0">
               <a:lnSpc>
                 <a:spcPct val="90000"/>
               </a:lnSpc>
@@ -20731,7 +20733,7 @@
                 <a:cs typeface="Arial"/>
                 <a:sym typeface="Arial"/>
               </a:rPr>
-              <a:t> Suicide is indeed one of the most talked about issue in these crisis times and this research helped us to check the influence of multiple factors such as poverty, mental health, unemployment and many more. </a:t>
+              <a:t>Suicide is indeed one of the most talked about issue in these crisis times and this research helped us to check the influence of multiple factors such as poverty, mental health, unemployment and many more. </a:t>
             </a:r>
             <a:endParaRPr sz="2000" dirty="0">
               <a:latin typeface="Arial"/>
@@ -20741,7 +20743,7 @@
             </a:endParaRPr>
           </a:p>
           <a:p>
-            <a:pPr marL="228600" lvl="0" indent="-50800" algn="l" rtl="0">
+            <a:pPr marL="228600" lvl="0" indent="-50800" rtl="0">
               <a:lnSpc>
                 <a:spcPct val="90000"/>
               </a:lnSpc>
@@ -20774,7 +20776,7 @@
             </a:endParaRPr>
           </a:p>
           <a:p>
-            <a:pPr marL="228600" lvl="0" indent="-50800" algn="l" rtl="0">
+            <a:pPr marL="228600" lvl="0" indent="-50800" algn="just" rtl="0">
               <a:lnSpc>
                 <a:spcPct val="90000"/>
               </a:lnSpc>
@@ -20797,7 +20799,58 @@
                 <a:cs typeface="Arial"/>
                 <a:sym typeface="Arial"/>
               </a:rPr>
-              <a:t> We wish to continue our research and help people in knowing the exact leading causes of suicide so that it is much easier to prevent it and help those who are close to committing it. However, the reason behind suicide can’t be easily identified. Each country has different socio-economic and cultural backgrounds which also makes identifying underlying causes difficult.</a:t>
+              <a:t>The purpose of this project is to tell a story with the data we have in hand including the visualizations so that users can the identify potential factors that may have contributed to the suicides.</a:t>
+            </a:r>
+          </a:p>
+          <a:p>
+            <a:pPr marL="228600" lvl="0" indent="-50800" algn="just" rtl="0">
+              <a:lnSpc>
+                <a:spcPct val="90000"/>
+              </a:lnSpc>
+              <a:spcBef>
+                <a:spcPts val="0"/>
+              </a:spcBef>
+              <a:spcAft>
+                <a:spcPts val="0"/>
+              </a:spcAft>
+              <a:buClr>
+                <a:schemeClr val="dk1"/>
+              </a:buClr>
+              <a:buSzPts val="2800"/>
+              <a:buNone/>
+            </a:pPr>
+            <a:endParaRPr lang="en-US" sz="2000" dirty="0">
+              <a:latin typeface="Arial"/>
+              <a:ea typeface="Arial"/>
+              <a:cs typeface="Arial"/>
+              <a:sym typeface="Arial"/>
+            </a:endParaRPr>
+          </a:p>
+          <a:p>
+            <a:pPr marL="228600" lvl="0" indent="-50800" algn="just" rtl="0">
+              <a:lnSpc>
+                <a:spcPct val="90000"/>
+              </a:lnSpc>
+              <a:spcBef>
+                <a:spcPts val="0"/>
+              </a:spcBef>
+              <a:spcAft>
+                <a:spcPts val="0"/>
+              </a:spcAft>
+              <a:buClr>
+                <a:schemeClr val="dk1"/>
+              </a:buClr>
+              <a:buSzPts val="2800"/>
+              <a:buNone/>
+            </a:pPr>
+            <a:r>
+              <a:rPr lang="en-US" sz="2000" dirty="0">
+                <a:latin typeface="Arial"/>
+                <a:ea typeface="Arial"/>
+                <a:cs typeface="Arial"/>
+                <a:sym typeface="Arial"/>
+              </a:rPr>
+              <a:t>However, the reason behind suicide can’t be easily identified. Each country has different socio economic and cultural backgrounds which also makes identifying underlying causes difficult.</a:t>
             </a:r>
             <a:endParaRPr sz="2000" dirty="0">
               <a:latin typeface="Arial"/>
@@ -20807,7 +20860,7 @@
             </a:endParaRPr>
           </a:p>
           <a:p>
-            <a:pPr marL="177800" lvl="0" indent="0" algn="l" rtl="0">
+            <a:pPr marL="177800" lvl="0" indent="0" algn="just" rtl="0">
               <a:lnSpc>
                 <a:spcPct val="90000"/>
               </a:lnSpc>
@@ -20831,7 +20884,7 @@
             </a:endParaRPr>
           </a:p>
           <a:p>
-            <a:pPr marL="177800" lvl="0" indent="0" algn="l" rtl="0">
+            <a:pPr marL="177800" lvl="0" indent="0" algn="just" rtl="0">
               <a:lnSpc>
                 <a:spcPct val="90000"/>
               </a:lnSpc>
@@ -20854,7 +20907,7 @@
                 <a:cs typeface="Arial"/>
                 <a:sym typeface="Arial"/>
               </a:rPr>
-              <a:t>Our goal with this project was to give users a clean platform to view and interact with the data so further research becomes easier.</a:t>
+              <a:t>Our goal with this project is to give users a clean platform to view and interact with the data        so further research becomes easier.</a:t>
             </a:r>
             <a:endParaRPr sz="2000" dirty="0">
               <a:latin typeface="Arial"/>
@@ -21263,10 +21316,10 @@
               <a:buNone/>
             </a:pPr>
             <a:r>
-              <a:rPr lang="en-US"/>
+              <a:rPr lang="en-US" dirty="0"/>
               <a:t>Components Used</a:t>
             </a:r>
-            <a:endParaRPr/>
+            <a:endParaRPr dirty="0"/>
           </a:p>
         </p:txBody>
       </p:sp>
@@ -21283,7 +21336,7 @@
         <p:spPr>
           <a:xfrm>
             <a:off x="838200" y="1825625"/>
-            <a:ext cx="10515600" cy="4351200"/>
+            <a:ext cx="10515600" cy="4667250"/>
           </a:xfrm>
           <a:prstGeom prst="rect">
             <a:avLst/>
@@ -21310,7 +21363,7 @@
               <a:buChar char="•"/>
             </a:pPr>
             <a:r>
-              <a:rPr lang="en-US" sz="2000" b="1">
+              <a:rPr lang="en-US" sz="2000" b="1" dirty="0">
                 <a:latin typeface="Arial"/>
                 <a:ea typeface="Arial"/>
                 <a:cs typeface="Arial"/>
@@ -21318,7 +21371,7 @@
               </a:rPr>
               <a:t>Data Sources </a:t>
             </a:r>
-            <a:endParaRPr sz="2000" b="1">
+            <a:endParaRPr sz="2000" b="1" dirty="0">
               <a:latin typeface="Arial"/>
               <a:ea typeface="Arial"/>
               <a:cs typeface="Arial"/>
@@ -21341,7 +21394,7 @@
               <a:buChar char="•"/>
             </a:pPr>
             <a:r>
-              <a:rPr lang="en-US" sz="1800">
+              <a:rPr lang="en-US" sz="1800" dirty="0">
                 <a:latin typeface="Arial"/>
                 <a:ea typeface="Arial"/>
                 <a:cs typeface="Arial"/>
@@ -21350,7 +21403,7 @@
               <a:t>Csv file: </a:t>
             </a:r>
             <a:r>
-              <a:rPr lang="en-US" sz="1800" u="sng">
+              <a:rPr lang="en-US" sz="1800" u="sng" dirty="0">
                 <a:solidFill>
                   <a:schemeClr val="hlink"/>
                 </a:solidFill>
@@ -21362,7 +21415,7 @@
               </a:rPr>
               <a:t>https://www.kaggle.com/russellyates88/suicide-rates-overview-1985-to-2016 </a:t>
             </a:r>
-            <a:endParaRPr sz="1800">
+            <a:endParaRPr sz="1800" dirty="0">
               <a:latin typeface="Arial"/>
               <a:ea typeface="Arial"/>
               <a:cs typeface="Arial"/>
@@ -21385,7 +21438,7 @@
               <a:buChar char="•"/>
             </a:pPr>
             <a:r>
-              <a:rPr lang="en-US" sz="1800">
+              <a:rPr lang="en-US" sz="1800" dirty="0">
                 <a:latin typeface="Arial"/>
                 <a:ea typeface="Arial"/>
                 <a:cs typeface="Arial"/>
@@ -21394,7 +21447,7 @@
               <a:t>API: </a:t>
             </a:r>
             <a:r>
-              <a:rPr lang="en-US" sz="1800" u="sng">
+              <a:rPr lang="en-US" sz="1800" u="sng" dirty="0">
                 <a:solidFill>
                   <a:schemeClr val="hlink"/>
                 </a:solidFill>
@@ -21406,7 +21459,7 @@
               </a:rPr>
               <a:t>https://raw.githubusercontent.com/datasets/geo-countries/master/data/countries.geojson</a:t>
             </a:r>
-            <a:endParaRPr sz="1800">
+            <a:endParaRPr sz="1800" dirty="0">
               <a:latin typeface="Arial"/>
               <a:ea typeface="Arial"/>
               <a:cs typeface="Arial"/>
@@ -21429,7 +21482,7 @@
               <a:buChar char="•"/>
             </a:pPr>
             <a:r>
-              <a:rPr lang="en-US" sz="2000" b="1">
+              <a:rPr lang="en-US" sz="2000" b="1" dirty="0">
                 <a:latin typeface="Arial"/>
                 <a:ea typeface="Arial"/>
                 <a:cs typeface="Arial"/>
@@ -21438,15 +21491,15 @@
               <a:t>Database </a:t>
             </a:r>
             <a:r>
-              <a:rPr lang="en-US" sz="2000">
+              <a:rPr lang="en-US" sz="2000" dirty="0">
                 <a:latin typeface="Arial"/>
                 <a:ea typeface="Arial"/>
                 <a:cs typeface="Arial"/>
                 <a:sym typeface="Arial"/>
               </a:rPr>
-              <a:t>– PostgreSQL – Generated by Python Script, Table created from csv file</a:t>
+              <a:t>– Heroku PostgreSQL – Generated by Python Script, Table created from csv file</a:t>
             </a:r>
-            <a:endParaRPr sz="2000">
+            <a:endParaRPr sz="2000" dirty="0">
               <a:latin typeface="Arial"/>
               <a:ea typeface="Arial"/>
               <a:cs typeface="Arial"/>
@@ -21469,7 +21522,7 @@
               <a:buChar char="•"/>
             </a:pPr>
             <a:r>
-              <a:rPr lang="en-US" sz="2000" b="1">
+              <a:rPr lang="en-US" sz="2000" b="1" dirty="0">
                 <a:latin typeface="Arial"/>
                 <a:ea typeface="Arial"/>
                 <a:cs typeface="Arial"/>
@@ -21478,7 +21531,7 @@
               <a:t>Flask </a:t>
             </a:r>
             <a:r>
-              <a:rPr lang="en-US" sz="2000">
+              <a:rPr lang="en-US" sz="2000" dirty="0">
                 <a:latin typeface="Arial"/>
                 <a:ea typeface="Arial"/>
                 <a:cs typeface="Arial"/>
@@ -21486,7 +21539,7 @@
               </a:rPr>
               <a:t>– Python code, connects to PostgreSQL, retrieves the data from PostgreSQL, Serves data in JSON format via endpoints</a:t>
             </a:r>
-            <a:endParaRPr sz="2000">
+            <a:endParaRPr sz="2000" dirty="0">
               <a:latin typeface="Arial"/>
               <a:ea typeface="Arial"/>
               <a:cs typeface="Arial"/>
@@ -21509,7 +21562,7 @@
               <a:buChar char="•"/>
             </a:pPr>
             <a:r>
-              <a:rPr lang="en-US" sz="2000" b="1">
+              <a:rPr lang="en-US" sz="2000" b="1" dirty="0">
                 <a:latin typeface="Arial"/>
                 <a:ea typeface="Arial"/>
                 <a:cs typeface="Arial"/>
@@ -21518,7 +21571,7 @@
               <a:t>Landing Page</a:t>
             </a:r>
             <a:r>
-              <a:rPr lang="en-US" sz="2000">
+              <a:rPr lang="en-US" sz="2000" dirty="0">
                 <a:latin typeface="Arial"/>
                 <a:ea typeface="Arial"/>
                 <a:cs typeface="Arial"/>
@@ -21526,7 +21579,7 @@
               </a:rPr>
               <a:t> – index.html - custom CSS files</a:t>
             </a:r>
-            <a:endParaRPr sz="2000">
+            <a:endParaRPr sz="2000" dirty="0">
               <a:latin typeface="Arial"/>
               <a:ea typeface="Arial"/>
               <a:cs typeface="Arial"/>
@@ -21549,7 +21602,7 @@
               <a:buChar char="•"/>
             </a:pPr>
             <a:r>
-              <a:rPr lang="en-US" sz="2000" b="1">
+              <a:rPr lang="en-US" sz="2000" b="1" dirty="0">
                 <a:latin typeface="Arial"/>
                 <a:ea typeface="Arial"/>
                 <a:cs typeface="Arial"/>
@@ -21558,15 +21611,66 @@
               <a:t>Data Visualization</a:t>
             </a:r>
             <a:r>
-              <a:rPr lang="en-US" sz="2000">
+              <a:rPr lang="en-US" sz="2000" dirty="0">
                 <a:latin typeface="Arial"/>
                 <a:ea typeface="Arial"/>
                 <a:cs typeface="Arial"/>
                 <a:sym typeface="Arial"/>
               </a:rPr>
-              <a:t> (Libraries used) – java script, D3.js, Plotly, D3,geomap/JQuery with Ajax (new library)</a:t>
+              <a:t> (Libraries used) – java script, D3.js, </a:t>
             </a:r>
-            <a:endParaRPr sz="2000">
+            <a:r>
+              <a:rPr lang="en-US" sz="2000" dirty="0" err="1">
+                <a:latin typeface="Arial"/>
+                <a:ea typeface="Arial"/>
+                <a:cs typeface="Arial"/>
+                <a:sym typeface="Arial"/>
+              </a:rPr>
+              <a:t>Plotly</a:t>
+            </a:r>
+            <a:r>
+              <a:rPr lang="en-US" sz="2000" dirty="0">
+                <a:latin typeface="Arial"/>
+                <a:ea typeface="Arial"/>
+                <a:cs typeface="Arial"/>
+                <a:sym typeface="Arial"/>
+              </a:rPr>
+              <a:t>, </a:t>
+            </a:r>
+            <a:r>
+              <a:rPr lang="en-US" sz="2000" dirty="0" err="1">
+                <a:latin typeface="Arial"/>
+                <a:ea typeface="Arial"/>
+                <a:cs typeface="Arial"/>
+                <a:sym typeface="Arial"/>
+              </a:rPr>
+              <a:t>JQuery</a:t>
+            </a:r>
+            <a:r>
+              <a:rPr lang="en-US" sz="2000" dirty="0">
+                <a:latin typeface="Arial"/>
+                <a:ea typeface="Arial"/>
+                <a:cs typeface="Arial"/>
+                <a:sym typeface="Arial"/>
+              </a:rPr>
+              <a:t> with Ajax (new library)</a:t>
+            </a:r>
+          </a:p>
+          <a:p>
+            <a:pPr marL="101600" lvl="0" indent="0" algn="l" rtl="0">
+              <a:lnSpc>
+                <a:spcPct val="150000"/>
+              </a:lnSpc>
+              <a:spcBef>
+                <a:spcPts val="0"/>
+              </a:spcBef>
+              <a:spcAft>
+                <a:spcPts val="0"/>
+              </a:spcAft>
+              <a:buSzPts val="2000"/>
+              <a:buNone/>
+            </a:pPr>
+            <a:endParaRPr sz="2000" dirty="0">
               <a:latin typeface="Arial"/>
               <a:ea typeface="Arial"/>
               <a:cs typeface="Arial"/>
@@ -21583,7 +21687,7 @@
               </a:spcAft>
               <a:buNone/>
             </a:pPr>
-            <a:endParaRPr/>
+            <a:endParaRPr dirty="0"/>
           </a:p>
         </p:txBody>
       </p:sp>
@@ -21965,7 +22069,7 @@
         </p:spPr>
         <p:txBody>
           <a:bodyPr spcFirstLastPara="1" wrap="square" lIns="91425" tIns="45700" rIns="91425" bIns="45700" anchor="t" anchorCtr="0">
-            <a:normAutofit/>
+            <a:normAutofit fontScale="92500" lnSpcReduction="20000"/>
           </a:bodyPr>
           <a:lstStyle/>
           <a:p>
@@ -21986,7 +22090,7 @@
               <a:buChar char="•"/>
             </a:pPr>
             <a:r>
-              <a:rPr lang="en-US" sz="2000">
+              <a:rPr lang="en-US" sz="2000" dirty="0">
                 <a:solidFill>
                   <a:srgbClr val="24292E"/>
                 </a:solidFill>
@@ -21998,10 +22102,10 @@
                 <a:cs typeface="Arial"/>
                 <a:sym typeface="Arial"/>
               </a:rPr>
-              <a:t>Our Dashboard shows the analysis of the suicide rates from countries all over the world and visualizes the patterns in choropleth map and charts. This </a:t>
+              <a:t>Our Interactive Dashboard shows the analysis of the suicide rates from countries all over the world and visualizes the patterns in choropleth map and charts. This </a:t>
             </a:r>
             <a:r>
-              <a:rPr lang="en-US" sz="2000">
+              <a:rPr lang="en-US" sz="2000" dirty="0">
                 <a:solidFill>
                   <a:srgbClr val="333333"/>
                 </a:solidFill>
@@ -22012,7 +22116,7 @@
               </a:rPr>
               <a:t>allows users to navigate to specific charts by clicking on any of those graphs for an in depth analysis</a:t>
             </a:r>
-            <a:endParaRPr sz="2000">
+            <a:endParaRPr sz="2000" dirty="0">
               <a:latin typeface="Arial"/>
               <a:ea typeface="Arial"/>
               <a:cs typeface="Arial"/>
@@ -22037,7 +22141,7 @@
               <a:buChar char="•"/>
             </a:pPr>
             <a:r>
-              <a:rPr lang="en-US" sz="2000">
+              <a:rPr lang="en-US" sz="2000" dirty="0">
                 <a:solidFill>
                   <a:srgbClr val="333333"/>
                 </a:solidFill>
@@ -22049,7 +22153,7 @@
               <a:t>Further, our graphs </a:t>
             </a:r>
             <a:r>
-              <a:rPr lang="en-US" sz="2000">
+              <a:rPr lang="en-US" sz="2000" dirty="0">
                 <a:solidFill>
                   <a:srgbClr val="222222"/>
                 </a:solidFill>
@@ -22064,7 +22168,7 @@
               <a:t>allow the user to select specific year / countries to include in the comparison</a:t>
             </a:r>
             <a:r>
-              <a:rPr lang="en-US" sz="2000">
+              <a:rPr lang="en-US" sz="2000" dirty="0">
                 <a:solidFill>
                   <a:srgbClr val="333333"/>
                 </a:solidFill>
@@ -22075,7 +22179,7 @@
               </a:rPr>
               <a:t>.</a:t>
             </a:r>
-            <a:endParaRPr sz="2000">
+            <a:endParaRPr sz="2000" dirty="0">
               <a:solidFill>
                 <a:srgbClr val="333333"/>
               </a:solidFill>
@@ -22104,7 +22208,7 @@
               <a:buChar char="•"/>
             </a:pPr>
             <a:r>
-              <a:rPr lang="en-US" sz="2000">
+              <a:rPr lang="en-US" sz="2000" dirty="0">
                 <a:solidFill>
                   <a:srgbClr val="333333"/>
                 </a:solidFill>
@@ -22115,7 +22219,7 @@
               </a:rPr>
               <a:t>We also created a choropleth map which visualizes the global suicide count among the countries.</a:t>
             </a:r>
-            <a:endParaRPr sz="2000">
+            <a:endParaRPr sz="2000" dirty="0">
               <a:solidFill>
                 <a:srgbClr val="333333"/>
               </a:solidFill>
@@ -22142,7 +22246,7 @@
               <a:buSzPts val="2800"/>
               <a:buNone/>
             </a:pPr>
-            <a:endParaRPr>
+            <a:endParaRPr dirty="0">
               <a:solidFill>
                 <a:srgbClr val="333333"/>
               </a:solidFill>
@@ -22169,7 +22273,7 @@
               <a:buSzPts val="2800"/>
               <a:buNone/>
             </a:pPr>
-            <a:endParaRPr b="0" i="0">
+            <a:endParaRPr b="0" i="0" dirty="0">
               <a:solidFill>
                 <a:srgbClr val="333333"/>
               </a:solidFill>
@@ -22197,9 +22301,9 @@
               <a:buNone/>
             </a:pPr>
             <a:br>
-              <a:rPr lang="en-US"/>
+              <a:rPr lang="en-US" dirty="0"/>
             </a:br>
-            <a:endParaRPr/>
+            <a:endParaRPr dirty="0"/>
           </a:p>
         </p:txBody>
       </p:sp>
@@ -22395,7 +22499,7 @@
               <a:buNone/>
             </a:pPr>
             <a:r>
-              <a:rPr lang="en-US" sz="2000">
+              <a:rPr lang="en-US" sz="2000" dirty="0">
                 <a:solidFill>
                   <a:srgbClr val="000000"/>
                 </a:solidFill>
@@ -22406,7 +22510,7 @@
               </a:rPr>
               <a:t>This Graph represents the number of suicides by Gender.</a:t>
             </a:r>
-            <a:endParaRPr sz="2000">
+            <a:endParaRPr sz="2000" dirty="0">
               <a:solidFill>
                 <a:srgbClr val="000000"/>
               </a:solidFill>
@@ -22433,7 +22537,7 @@
               <a:buSzPts val="2800"/>
               <a:buNone/>
             </a:pPr>
-            <a:endParaRPr sz="2000">
+            <a:endParaRPr sz="2000" dirty="0">
               <a:solidFill>
                 <a:srgbClr val="000000"/>
               </a:solidFill>
@@ -22461,7 +22565,7 @@
               <a:buNone/>
             </a:pPr>
             <a:r>
-              <a:rPr lang="en-US" sz="2000">
+              <a:rPr lang="en-US" sz="2000" dirty="0">
                 <a:solidFill>
                   <a:srgbClr val="000000"/>
                 </a:solidFill>
@@ -22470,9 +22574,9 @@
                 <a:cs typeface="Arial"/>
                 <a:sym typeface="Arial"/>
               </a:rPr>
-              <a:t>Suicide is more common in men than women. Men are four times more likely to die by suicide than women.</a:t>
+              <a:t>Suicide is more common in men than women. Men are three times more likely to die by suicide than women.</a:t>
             </a:r>
-            <a:endParaRPr sz="2000">
+            <a:endParaRPr sz="2000" dirty="0">
               <a:solidFill>
                 <a:srgbClr val="000000"/>
               </a:solidFill>
@@ -22499,7 +22603,7 @@
               <a:buSzPts val="2800"/>
               <a:buNone/>
             </a:pPr>
-            <a:endParaRPr sz="2000">
+            <a:endParaRPr sz="2000" dirty="0">
               <a:solidFill>
                 <a:srgbClr val="000000"/>
               </a:solidFill>
@@ -22527,7 +22631,7 @@
               <a:buNone/>
             </a:pPr>
             <a:r>
-              <a:rPr lang="en-US" sz="2000">
+              <a:rPr lang="en-US" sz="2000" dirty="0">
                 <a:solidFill>
                   <a:srgbClr val="000000"/>
                 </a:solidFill>
@@ -22538,7 +22642,7 @@
               </a:rPr>
               <a:t>Suicides by men account for 76.9% of the total suicides.</a:t>
             </a:r>
-            <a:endParaRPr sz="2000">
+            <a:endParaRPr sz="2000" dirty="0">
               <a:solidFill>
                 <a:srgbClr val="000000"/>
               </a:solidFill>
